--- a/Basic of Linux Adminstartion/Session-1.pptx
+++ b/Basic of Linux Adminstartion/Session-1.pptx
@@ -5,9 +5,9 @@
     <p:sldMasterId id="2147483648" r:id="rId1"/>
   </p:sldMasterIdLst>
   <p:sldIdLst>
-    <p:sldId id="257" r:id="rId2"/>
-    <p:sldId id="259" r:id="rId3"/>
-    <p:sldId id="258" r:id="rId4"/>
+    <p:sldId id="257" r:id="rId3"/>
+    <p:sldId id="259" r:id="rId4"/>
+    <p:sldId id="258" r:id="rId5"/>
   </p:sldIdLst>
   <p:sldSz cx="9144000" cy="6858000" type="screen4x3"/>
   <p:notesSz cx="6858000" cy="9144000"/>
@@ -106,22 +106,6 @@
       </a:defRPr>
     </a:lvl9pPr>
   </p:defaultTextStyle>
-  <p:extLst>
-    <p:ext uri="{EFAFB233-063F-42B5-8137-9DF3F51BA10A}">
-      <p15:sldGuideLst xmlns:p15="http://schemas.microsoft.com/office/powerpoint/2012/main">
-        <p15:guide id="1" orient="horz" pos="2160">
-          <p15:clr>
-            <a:srgbClr val="A4A3A4"/>
-          </p15:clr>
-        </p15:guide>
-        <p15:guide id="2" pos="2880">
-          <p15:clr>
-            <a:srgbClr val="A4A3A4"/>
-          </p15:clr>
-        </p15:guide>
-      </p15:sldGuideLst>
-    </p:ext>
-  </p:extLst>
 </p:presentation>
 </file>
 
@@ -306,7 +290,6 @@
           <a:p>
             <a:fld id="{9A678811-B549-45B3-81B1-47E6AC5F9402}" type="slidenum">
               <a:rPr lang="en-US" altLang="en-US"/>
-              <a:t>‹#›</a:t>
             </a:fld>
             <a:endParaRPr lang="en-US" altLang="en-US"/>
           </a:p>
@@ -496,6 +479,7 @@
               <a:rPr lang="en-US" smtClean="0"/>
               <a:t>Click to edit Master text styles</a:t>
             </a:r>
+            <a:endParaRPr lang="en-US" smtClean="0"/>
           </a:p>
         </p:txBody>
       </p:sp>
@@ -566,7 +550,6 @@
           <a:p>
             <a:fld id="{214E7FEA-58E0-47EE-AC9C-F31BF7C9F7FE}" type="slidenum">
               <a:rPr lang="en-US" altLang="en-US"/>
-              <a:t>‹#›</a:t>
             </a:fld>
             <a:endParaRPr lang="en-US" altLang="en-US"/>
           </a:p>
@@ -644,6 +627,7 @@
               <a:rPr lang="en-US" smtClean="0"/>
               <a:t>Click to edit Master text styles</a:t>
             </a:r>
+            <a:endParaRPr lang="en-US" smtClean="0"/>
           </a:p>
           <a:p>
             <a:pPr lvl="1"/>
@@ -651,6 +635,7 @@
               <a:rPr lang="en-US" smtClean="0"/>
               <a:t>Second level</a:t>
             </a:r>
+            <a:endParaRPr lang="en-US" smtClean="0"/>
           </a:p>
           <a:p>
             <a:pPr lvl="2"/>
@@ -658,6 +643,7 @@
               <a:rPr lang="en-US" smtClean="0"/>
               <a:t>Third level</a:t>
             </a:r>
+            <a:endParaRPr lang="en-US" smtClean="0"/>
           </a:p>
           <a:p>
             <a:pPr lvl="3"/>
@@ -665,6 +651,7 @@
               <a:rPr lang="en-US" smtClean="0"/>
               <a:t>Fourth level</a:t>
             </a:r>
+            <a:endParaRPr lang="en-US" smtClean="0"/>
           </a:p>
           <a:p>
             <a:pPr lvl="4"/>
@@ -743,7 +730,6 @@
           <a:p>
             <a:fld id="{20534EEE-6172-4E08-B0F7-A7F46A93D015}" type="slidenum">
               <a:rPr lang="en-US" altLang="en-US"/>
-              <a:t>‹#›</a:t>
             </a:fld>
             <a:endParaRPr lang="en-US" altLang="en-US"/>
           </a:p>
@@ -827,6 +813,7 @@
               <a:rPr lang="en-US" smtClean="0"/>
               <a:t>Click to edit Master text styles</a:t>
             </a:r>
+            <a:endParaRPr lang="en-US" smtClean="0"/>
           </a:p>
           <a:p>
             <a:pPr lvl="1"/>
@@ -834,6 +821,7 @@
               <a:rPr lang="en-US" smtClean="0"/>
               <a:t>Second level</a:t>
             </a:r>
+            <a:endParaRPr lang="en-US" smtClean="0"/>
           </a:p>
           <a:p>
             <a:pPr lvl="2"/>
@@ -841,6 +829,7 @@
               <a:rPr lang="en-US" smtClean="0"/>
               <a:t>Third level</a:t>
             </a:r>
+            <a:endParaRPr lang="en-US" smtClean="0"/>
           </a:p>
           <a:p>
             <a:pPr lvl="3"/>
@@ -848,6 +837,7 @@
               <a:rPr lang="en-US" smtClean="0"/>
               <a:t>Fourth level</a:t>
             </a:r>
+            <a:endParaRPr lang="en-US" smtClean="0"/>
           </a:p>
           <a:p>
             <a:pPr lvl="4"/>
@@ -926,7 +916,6 @@
           <a:p>
             <a:fld id="{A56982BD-E878-4359-9BE2-EF98375094DE}" type="slidenum">
               <a:rPr lang="en-US" altLang="en-US"/>
-              <a:t>‹#›</a:t>
             </a:fld>
             <a:endParaRPr lang="en-US" altLang="en-US"/>
           </a:p>
@@ -985,6 +974,7 @@
               <a:rPr lang="en-US" dirty="0" smtClean="0"/>
               <a:t>Click to edit Master text styles</a:t>
             </a:r>
+            <a:endParaRPr lang="en-US" dirty="0" smtClean="0"/>
           </a:p>
           <a:p>
             <a:pPr lvl="1"/>
@@ -992,6 +982,7 @@
               <a:rPr lang="en-US" dirty="0" smtClean="0"/>
               <a:t>Second level</a:t>
             </a:r>
+            <a:endParaRPr lang="en-US" dirty="0" smtClean="0"/>
           </a:p>
           <a:p>
             <a:pPr lvl="2"/>
@@ -999,6 +990,7 @@
               <a:rPr lang="en-US" dirty="0" smtClean="0"/>
               <a:t>Third level</a:t>
             </a:r>
+            <a:endParaRPr lang="en-US" dirty="0" smtClean="0"/>
           </a:p>
           <a:p>
             <a:pPr lvl="3"/>
@@ -1006,6 +998,7 @@
               <a:rPr lang="en-US" dirty="0" smtClean="0"/>
               <a:t>Fourth level</a:t>
             </a:r>
+            <a:endParaRPr lang="en-US" dirty="0" smtClean="0"/>
           </a:p>
           <a:p>
             <a:pPr lvl="4"/>
@@ -1042,7 +1035,6 @@
           <a:p>
             <a:fld id="{31E38928-F05B-4C42-9226-61EDCAAB8EFB}" type="datetime1">
               <a:rPr lang="en-US" smtClean="0"/>
-              <a:t>7/22/2019</a:t>
             </a:fld>
             <a:endParaRPr lang="en-US"/>
           </a:p>
@@ -1101,7 +1093,6 @@
             <a:pPr algn="r"/>
             <a:fld id="{D4C49B74-5DB2-4B03-B1D2-7F6A3C51C318}" type="slidenum">
               <a:rPr lang="en-US" smtClean="0"/>
-              <a:t>‹#›</a:t>
             </a:fld>
             <a:endParaRPr lang="en-US"/>
           </a:p>
@@ -1202,6 +1193,7 @@
               <a:rPr lang="en-US" smtClean="0"/>
               <a:t>Click to edit Master text styles</a:t>
             </a:r>
+            <a:endParaRPr lang="en-US" smtClean="0"/>
           </a:p>
           <a:p>
             <a:pPr lvl="1"/>
@@ -1209,6 +1201,7 @@
               <a:rPr lang="en-US" smtClean="0"/>
               <a:t>Second level</a:t>
             </a:r>
+            <a:endParaRPr lang="en-US" smtClean="0"/>
           </a:p>
           <a:p>
             <a:pPr lvl="2"/>
@@ -1216,6 +1209,7 @@
               <a:rPr lang="en-US" smtClean="0"/>
               <a:t>Third level</a:t>
             </a:r>
+            <a:endParaRPr lang="en-US" smtClean="0"/>
           </a:p>
           <a:p>
             <a:pPr lvl="3"/>
@@ -1223,6 +1217,7 @@
               <a:rPr lang="en-US" smtClean="0"/>
               <a:t>Fourth level</a:t>
             </a:r>
+            <a:endParaRPr lang="en-US" smtClean="0"/>
           </a:p>
           <a:p>
             <a:pPr lvl="4"/>
@@ -1360,6 +1355,7 @@
               <a:rPr lang="en-US" smtClean="0"/>
               <a:t>Click to edit Master text styles</a:t>
             </a:r>
+            <a:endParaRPr lang="en-US" smtClean="0"/>
           </a:p>
         </p:txBody>
       </p:sp>
@@ -1391,6 +1387,7 @@
               <a:rPr lang="en-US" smtClean="0"/>
               <a:t>Click to edit Master text styles</a:t>
             </a:r>
+            <a:endParaRPr lang="en-US" smtClean="0"/>
           </a:p>
           <a:p>
             <a:pPr lvl="1"/>
@@ -1398,6 +1395,7 @@
               <a:rPr lang="en-US" smtClean="0"/>
               <a:t>Second level</a:t>
             </a:r>
+            <a:endParaRPr lang="en-US" smtClean="0"/>
           </a:p>
           <a:p>
             <a:pPr lvl="2"/>
@@ -1405,6 +1403,7 @@
               <a:rPr lang="en-US" smtClean="0"/>
               <a:t>Third level</a:t>
             </a:r>
+            <a:endParaRPr lang="en-US" smtClean="0"/>
           </a:p>
           <a:p>
             <a:pPr lvl="3"/>
@@ -1412,6 +1411,7 @@
               <a:rPr lang="en-US" smtClean="0"/>
               <a:t>Fourth level</a:t>
             </a:r>
+            <a:endParaRPr lang="en-US" smtClean="0"/>
           </a:p>
           <a:p>
             <a:pPr lvl="4"/>
@@ -1488,6 +1488,7 @@
               <a:rPr lang="en-US" smtClean="0"/>
               <a:t>Click to edit Master text styles</a:t>
             </a:r>
+            <a:endParaRPr lang="en-US" smtClean="0"/>
           </a:p>
         </p:txBody>
       </p:sp>
@@ -1519,6 +1520,7 @@
               <a:rPr lang="en-US" smtClean="0"/>
               <a:t>Click to edit Master text styles</a:t>
             </a:r>
+            <a:endParaRPr lang="en-US" smtClean="0"/>
           </a:p>
           <a:p>
             <a:pPr lvl="1"/>
@@ -1526,6 +1528,7 @@
               <a:rPr lang="en-US" smtClean="0"/>
               <a:t>Second level</a:t>
             </a:r>
+            <a:endParaRPr lang="en-US" smtClean="0"/>
           </a:p>
           <a:p>
             <a:pPr lvl="2"/>
@@ -1533,6 +1536,7 @@
               <a:rPr lang="en-US" smtClean="0"/>
               <a:t>Third level</a:t>
             </a:r>
+            <a:endParaRPr lang="en-US" smtClean="0"/>
           </a:p>
           <a:p>
             <a:pPr lvl="3"/>
@@ -1540,6 +1544,7 @@
               <a:rPr lang="en-US" smtClean="0"/>
               <a:t>Fourth level</a:t>
             </a:r>
+            <a:endParaRPr lang="en-US" smtClean="0"/>
           </a:p>
           <a:p>
             <a:pPr lvl="4"/>
@@ -1699,6 +1704,7 @@
               <a:rPr lang="en-US" smtClean="0"/>
               <a:t>Click to edit Master text styles</a:t>
             </a:r>
+            <a:endParaRPr lang="en-US" smtClean="0"/>
           </a:p>
           <a:p>
             <a:pPr lvl="1"/>
@@ -1706,6 +1712,7 @@
               <a:rPr lang="en-US" smtClean="0"/>
               <a:t>Second level</a:t>
             </a:r>
+            <a:endParaRPr lang="en-US" smtClean="0"/>
           </a:p>
           <a:p>
             <a:pPr lvl="2"/>
@@ -1713,6 +1720,7 @@
               <a:rPr lang="en-US" smtClean="0"/>
               <a:t>Third level</a:t>
             </a:r>
+            <a:endParaRPr lang="en-US" smtClean="0"/>
           </a:p>
           <a:p>
             <a:pPr lvl="3"/>
@@ -1720,6 +1728,7 @@
               <a:rPr lang="en-US" smtClean="0"/>
               <a:t>Fourth level</a:t>
             </a:r>
+            <a:endParaRPr lang="en-US" smtClean="0"/>
           </a:p>
           <a:p>
             <a:pPr lvl="4"/>
@@ -1834,6 +1843,7 @@
               <a:rPr lang="en-US" smtClean="0"/>
               <a:t>Click to edit Master text styles</a:t>
             </a:r>
+            <a:endParaRPr lang="en-US" smtClean="0"/>
           </a:p>
           <a:p>
             <a:pPr lvl="1"/>
@@ -1841,6 +1851,7 @@
               <a:rPr lang="en-US" smtClean="0"/>
               <a:t>Second level</a:t>
             </a:r>
+            <a:endParaRPr lang="en-US" smtClean="0"/>
           </a:p>
           <a:p>
             <a:pPr lvl="2"/>
@@ -1848,6 +1859,7 @@
               <a:rPr lang="en-US" smtClean="0"/>
               <a:t>Third level</a:t>
             </a:r>
+            <a:endParaRPr lang="en-US" smtClean="0"/>
           </a:p>
           <a:p>
             <a:pPr lvl="3"/>
@@ -1855,6 +1867,7 @@
               <a:rPr lang="en-US" smtClean="0"/>
               <a:t>Fourth level</a:t>
             </a:r>
+            <a:endParaRPr lang="en-US" smtClean="0"/>
           </a:p>
           <a:p>
             <a:pPr lvl="4"/>
@@ -1933,7 +1946,6 @@
           <a:p>
             <a:fld id="{3086ADDC-2EE6-42FF-AE85-54D774CE032E}" type="slidenum">
               <a:rPr lang="en-US" altLang="en-US"/>
-              <a:t>‹#›</a:t>
             </a:fld>
             <a:endParaRPr lang="en-US" altLang="en-US"/>
           </a:p>
@@ -2013,6 +2025,7 @@
               <a:rPr lang="en-US" dirty="0" smtClean="0"/>
               <a:t>Click to edit Master text styles</a:t>
             </a:r>
+            <a:endParaRPr lang="en-US" dirty="0" smtClean="0"/>
           </a:p>
           <a:p>
             <a:pPr lvl="1"/>
@@ -2020,6 +2033,7 @@
               <a:rPr lang="en-US" dirty="0" smtClean="0"/>
               <a:t>Second level</a:t>
             </a:r>
+            <a:endParaRPr lang="en-US" dirty="0" smtClean="0"/>
           </a:p>
           <a:p>
             <a:pPr lvl="2"/>
@@ -2027,6 +2041,7 @@
               <a:rPr lang="en-US" dirty="0" smtClean="0"/>
               <a:t>Third level</a:t>
             </a:r>
+            <a:endParaRPr lang="en-US" dirty="0" smtClean="0"/>
           </a:p>
           <a:p>
             <a:pPr lvl="3"/>
@@ -2034,6 +2049,7 @@
               <a:rPr lang="en-US" dirty="0" smtClean="0"/>
               <a:t>Fourth level</a:t>
             </a:r>
+            <a:endParaRPr lang="en-US" dirty="0" smtClean="0"/>
           </a:p>
           <a:p>
             <a:pPr lvl="4"/>
@@ -2112,7 +2128,6 @@
           <a:p>
             <a:fld id="{3086ADDC-2EE6-42FF-AE85-54D774CE032E}" type="slidenum">
               <a:rPr lang="en-US" altLang="en-US"/>
-              <a:t>‹#›</a:t>
             </a:fld>
             <a:endParaRPr lang="en-US" altLang="en-US"/>
           </a:p>
@@ -2143,6 +2158,7 @@
               <a:rPr lang="en-US" dirty="0" smtClean="0"/>
               <a:t>Click to edit Master text styles</a:t>
             </a:r>
+            <a:endParaRPr lang="en-US" dirty="0" smtClean="0"/>
           </a:p>
           <a:p>
             <a:pPr lvl="1"/>
@@ -2150,6 +2166,7 @@
               <a:rPr lang="en-US" dirty="0" smtClean="0"/>
               <a:t>Second level</a:t>
             </a:r>
+            <a:endParaRPr lang="en-US" dirty="0" smtClean="0"/>
           </a:p>
           <a:p>
             <a:pPr lvl="2"/>
@@ -2157,6 +2174,7 @@
               <a:rPr lang="en-US" dirty="0" smtClean="0"/>
               <a:t>Third level</a:t>
             </a:r>
+            <a:endParaRPr lang="en-US" dirty="0" smtClean="0"/>
           </a:p>
           <a:p>
             <a:pPr lvl="3"/>
@@ -2164,6 +2182,7 @@
               <a:rPr lang="en-US" dirty="0" smtClean="0"/>
               <a:t>Fourth level</a:t>
             </a:r>
+            <a:endParaRPr lang="en-US" dirty="0" smtClean="0"/>
           </a:p>
           <a:p>
             <a:pPr lvl="4"/>
@@ -2200,6 +2219,7 @@
               <a:rPr lang="en-US" dirty="0" smtClean="0"/>
               <a:t>Click to edit Master text styles</a:t>
             </a:r>
+            <a:endParaRPr lang="en-US" dirty="0" smtClean="0"/>
           </a:p>
           <a:p>
             <a:pPr lvl="1"/>
@@ -2207,6 +2227,7 @@
               <a:rPr lang="en-US" dirty="0" smtClean="0"/>
               <a:t>Second level</a:t>
             </a:r>
+            <a:endParaRPr lang="en-US" dirty="0" smtClean="0"/>
           </a:p>
           <a:p>
             <a:pPr lvl="2"/>
@@ -2214,6 +2235,7 @@
               <a:rPr lang="en-US" dirty="0" smtClean="0"/>
               <a:t>Third level</a:t>
             </a:r>
+            <a:endParaRPr lang="en-US" dirty="0" smtClean="0"/>
           </a:p>
           <a:p>
             <a:pPr lvl="3"/>
@@ -2221,6 +2243,7 @@
               <a:rPr lang="en-US" dirty="0" smtClean="0"/>
               <a:t>Fourth level</a:t>
             </a:r>
+            <a:endParaRPr lang="en-US" dirty="0" smtClean="0"/>
           </a:p>
           <a:p>
             <a:pPr lvl="4"/>
@@ -2352,6 +2375,7 @@
               <a:rPr lang="en-US" smtClean="0"/>
               <a:t>Click to edit Master text styles</a:t>
             </a:r>
+            <a:endParaRPr lang="en-US" smtClean="0"/>
           </a:p>
         </p:txBody>
       </p:sp>
@@ -2422,7 +2446,6 @@
           <a:p>
             <a:fld id="{62FBF8E4-576C-4900-8131-5FBCD47137B3}" type="slidenum">
               <a:rPr lang="en-US" altLang="en-US"/>
-              <a:t>‹#›</a:t>
             </a:fld>
             <a:endParaRPr lang="en-US" altLang="en-US"/>
           </a:p>
@@ -2501,6 +2524,7 @@
               <a:rPr lang="en-US" dirty="0" smtClean="0"/>
               <a:t>Click to edit Master text styles</a:t>
             </a:r>
+            <a:endParaRPr lang="en-US" dirty="0" smtClean="0"/>
           </a:p>
           <a:p>
             <a:pPr lvl="1"/>
@@ -2508,6 +2532,7 @@
               <a:rPr lang="en-US" dirty="0" smtClean="0"/>
               <a:t>Second level</a:t>
             </a:r>
+            <a:endParaRPr lang="en-US" dirty="0" smtClean="0"/>
           </a:p>
           <a:p>
             <a:pPr lvl="2"/>
@@ -2515,6 +2540,7 @@
               <a:rPr lang="en-US" dirty="0" smtClean="0"/>
               <a:t>Third level</a:t>
             </a:r>
+            <a:endParaRPr lang="en-US" dirty="0" smtClean="0"/>
           </a:p>
           <a:p>
             <a:pPr lvl="3"/>
@@ -2522,6 +2548,7 @@
               <a:rPr lang="en-US" dirty="0" smtClean="0"/>
               <a:t>Fourth level</a:t>
             </a:r>
+            <a:endParaRPr lang="en-US" dirty="0" smtClean="0"/>
           </a:p>
           <a:p>
             <a:pPr lvl="4"/>
@@ -2558,6 +2585,7 @@
               <a:rPr lang="en-US" dirty="0" smtClean="0"/>
               <a:t>Click to edit Master text styles</a:t>
             </a:r>
+            <a:endParaRPr lang="en-US" dirty="0" smtClean="0"/>
           </a:p>
           <a:p>
             <a:pPr lvl="1"/>
@@ -2565,6 +2593,7 @@
               <a:rPr lang="en-US" dirty="0" smtClean="0"/>
               <a:t>Second level</a:t>
             </a:r>
+            <a:endParaRPr lang="en-US" dirty="0" smtClean="0"/>
           </a:p>
           <a:p>
             <a:pPr lvl="2"/>
@@ -2572,6 +2601,7 @@
               <a:rPr lang="en-US" dirty="0" smtClean="0"/>
               <a:t>Third level</a:t>
             </a:r>
+            <a:endParaRPr lang="en-US" dirty="0" smtClean="0"/>
           </a:p>
           <a:p>
             <a:pPr lvl="3"/>
@@ -2579,6 +2609,7 @@
               <a:rPr lang="en-US" dirty="0" smtClean="0"/>
               <a:t>Fourth level</a:t>
             </a:r>
+            <a:endParaRPr lang="en-US" dirty="0" smtClean="0"/>
           </a:p>
           <a:p>
             <a:pPr lvl="4"/>
@@ -2657,7 +2688,6 @@
           <a:p>
             <a:fld id="{524673CD-E789-4B99-849D-7D1DEE88FD01}" type="slidenum">
               <a:rPr lang="en-US" altLang="en-US"/>
-              <a:t>‹#›</a:t>
             </a:fld>
             <a:endParaRPr lang="en-US" altLang="en-US"/>
           </a:p>
@@ -2778,6 +2808,7 @@
               <a:rPr lang="en-US" smtClean="0"/>
               <a:t>Click to edit Master text styles</a:t>
             </a:r>
+            <a:endParaRPr lang="en-US" smtClean="0"/>
           </a:p>
         </p:txBody>
       </p:sp>
@@ -2806,6 +2837,7 @@
               <a:rPr lang="en-US" smtClean="0"/>
               <a:t>Click to edit Master text styles</a:t>
             </a:r>
+            <a:endParaRPr lang="en-US" smtClean="0"/>
           </a:p>
           <a:p>
             <a:pPr lvl="1"/>
@@ -2813,6 +2845,7 @@
               <a:rPr lang="en-US" smtClean="0"/>
               <a:t>Second level</a:t>
             </a:r>
+            <a:endParaRPr lang="en-US" smtClean="0"/>
           </a:p>
           <a:p>
             <a:pPr lvl="2"/>
@@ -2820,6 +2853,7 @@
               <a:rPr lang="en-US" smtClean="0"/>
               <a:t>Third level</a:t>
             </a:r>
+            <a:endParaRPr lang="en-US" smtClean="0"/>
           </a:p>
           <a:p>
             <a:pPr lvl="3"/>
@@ -2827,6 +2861,7 @@
               <a:rPr lang="en-US" smtClean="0"/>
               <a:t>Fourth level</a:t>
             </a:r>
+            <a:endParaRPr lang="en-US" smtClean="0"/>
           </a:p>
           <a:p>
             <a:pPr lvl="4"/>
@@ -2900,6 +2935,7 @@
               <a:rPr lang="en-US" smtClean="0"/>
               <a:t>Click to edit Master text styles</a:t>
             </a:r>
+            <a:endParaRPr lang="en-US" smtClean="0"/>
           </a:p>
         </p:txBody>
       </p:sp>
@@ -2928,6 +2964,7 @@
               <a:rPr lang="en-US" smtClean="0"/>
               <a:t>Click to edit Master text styles</a:t>
             </a:r>
+            <a:endParaRPr lang="en-US" smtClean="0"/>
           </a:p>
           <a:p>
             <a:pPr lvl="1"/>
@@ -2935,6 +2972,7 @@
               <a:rPr lang="en-US" smtClean="0"/>
               <a:t>Second level</a:t>
             </a:r>
+            <a:endParaRPr lang="en-US" smtClean="0"/>
           </a:p>
           <a:p>
             <a:pPr lvl="2"/>
@@ -2942,6 +2980,7 @@
               <a:rPr lang="en-US" smtClean="0"/>
               <a:t>Third level</a:t>
             </a:r>
+            <a:endParaRPr lang="en-US" smtClean="0"/>
           </a:p>
           <a:p>
             <a:pPr lvl="3"/>
@@ -2949,6 +2988,7 @@
               <a:rPr lang="en-US" smtClean="0"/>
               <a:t>Fourth level</a:t>
             </a:r>
+            <a:endParaRPr lang="en-US" smtClean="0"/>
           </a:p>
           <a:p>
             <a:pPr lvl="4"/>
@@ -3027,7 +3067,6 @@
           <a:p>
             <a:fld id="{7B82C466-627A-4535-934D-F77F4C647A2A}" type="slidenum">
               <a:rPr lang="en-US" altLang="en-US"/>
-              <a:t>‹#›</a:t>
             </a:fld>
             <a:endParaRPr lang="en-US" altLang="en-US"/>
           </a:p>
@@ -3148,7 +3187,6 @@
           <a:p>
             <a:fld id="{F559B138-3910-4CB2-9145-1068E3B9E07E}" type="slidenum">
               <a:rPr lang="en-US" altLang="en-US"/>
-              <a:t>‹#›</a:t>
             </a:fld>
             <a:endParaRPr lang="en-US" altLang="en-US"/>
           </a:p>
@@ -3246,7 +3284,6 @@
           <a:p>
             <a:fld id="{909E207A-2206-4F55-86B7-C4BA7E6C4B55}" type="slidenum">
               <a:rPr lang="en-US" altLang="en-US"/>
-              <a:t>‹#›</a:t>
             </a:fld>
             <a:endParaRPr lang="en-US" altLang="en-US"/>
           </a:p>
@@ -3362,6 +3399,7 @@
               <a:rPr lang="en-US" smtClean="0"/>
               <a:t>Click to edit Master text styles</a:t>
             </a:r>
+            <a:endParaRPr lang="en-US" smtClean="0"/>
           </a:p>
           <a:p>
             <a:pPr lvl="1"/>
@@ -3369,6 +3407,7 @@
               <a:rPr lang="en-US" smtClean="0"/>
               <a:t>Second level</a:t>
             </a:r>
+            <a:endParaRPr lang="en-US" smtClean="0"/>
           </a:p>
           <a:p>
             <a:pPr lvl="2"/>
@@ -3376,6 +3415,7 @@
               <a:rPr lang="en-US" smtClean="0"/>
               <a:t>Third level</a:t>
             </a:r>
+            <a:endParaRPr lang="en-US" smtClean="0"/>
           </a:p>
           <a:p>
             <a:pPr lvl="3"/>
@@ -3383,6 +3423,7 @@
               <a:rPr lang="en-US" smtClean="0"/>
               <a:t>Fourth level</a:t>
             </a:r>
+            <a:endParaRPr lang="en-US" smtClean="0"/>
           </a:p>
           <a:p>
             <a:pPr lvl="4"/>
@@ -3456,6 +3497,7 @@
               <a:rPr lang="en-US" smtClean="0"/>
               <a:t>Click to edit Master text styles</a:t>
             </a:r>
+            <a:endParaRPr lang="en-US" smtClean="0"/>
           </a:p>
         </p:txBody>
       </p:sp>
@@ -3526,7 +3568,6 @@
           <a:p>
             <a:fld id="{9F7BB258-1CFF-4F4F-8C27-AD1703630852}" type="slidenum">
               <a:rPr lang="en-US" altLang="en-US"/>
-              <a:t>‹#›</a:t>
             </a:fld>
             <a:endParaRPr lang="en-US" altLang="en-US"/>
           </a:p>
@@ -3574,7 +3615,7 @@
           <p:nvPr/>
         </p:nvPicPr>
         <p:blipFill>
-          <a:blip r:embed="rId19">
+          <a:blip r:embed="rId18">
             <a:extLst>
               <a:ext uri="{28A0092B-C50C-407E-A947-70E740481C1C}">
                 <a14:useLocalDpi xmlns:a14="http://schemas.microsoft.com/office/drawing/2010/main" val="0"/>
@@ -3667,6 +3708,7 @@
               <a:rPr lang="en-US" altLang="en-US" smtClean="0"/>
               <a:t>Click to edit Master title style</a:t>
             </a:r>
+            <a:endParaRPr lang="en-US" altLang="en-US" smtClean="0"/>
           </a:p>
         </p:txBody>
       </p:sp>
@@ -3731,6 +3773,7 @@
               <a:rPr lang="en-US" altLang="en-US" smtClean="0"/>
               <a:t>Click to edit Master text styles</a:t>
             </a:r>
+            <a:endParaRPr lang="en-US" altLang="en-US" smtClean="0"/>
           </a:p>
           <a:p>
             <a:pPr lvl="1"/>
@@ -3738,6 +3781,7 @@
               <a:rPr lang="en-US" altLang="en-US" smtClean="0"/>
               <a:t>Second level</a:t>
             </a:r>
+            <a:endParaRPr lang="en-US" altLang="en-US" smtClean="0"/>
           </a:p>
           <a:p>
             <a:pPr lvl="2"/>
@@ -3745,6 +3789,7 @@
               <a:rPr lang="en-US" altLang="en-US" smtClean="0"/>
               <a:t>Third level</a:t>
             </a:r>
+            <a:endParaRPr lang="en-US" altLang="en-US" smtClean="0"/>
           </a:p>
           <a:p>
             <a:pPr lvl="3"/>
@@ -3752,6 +3797,7 @@
               <a:rPr lang="en-US" altLang="en-US" smtClean="0"/>
               <a:t>Fourth level</a:t>
             </a:r>
+            <a:endParaRPr lang="en-US" altLang="en-US" smtClean="0"/>
           </a:p>
           <a:p>
             <a:pPr lvl="4"/>
@@ -3759,6 +3805,7 @@
               <a:rPr lang="en-US" altLang="en-US" smtClean="0"/>
               <a:t>Fifth level</a:t>
             </a:r>
+            <a:endParaRPr lang="en-US" altLang="en-US" smtClean="0"/>
           </a:p>
         </p:txBody>
       </p:sp>
@@ -3952,7 +3999,6 @@
           <a:p>
             <a:fld id="{7FAD312C-826E-40DC-8EA2-9106566C605C}" type="slidenum">
               <a:rPr lang="en-US" altLang="en-US"/>
-              <a:t>‹#›</a:t>
             </a:fld>
             <a:endParaRPr lang="en-US" altLang="en-US"/>
           </a:p>
@@ -4205,7 +4251,7 @@
         <a:spcBef>
           <a:spcPts val="500"/>
         </a:spcBef>
-        <a:buFont typeface="Arial" panose="02080604020202020204" pitchFamily="34" charset="0"/>
+        <a:buFont typeface="Arial" panose="020B0604020202020204" pitchFamily="34" charset="0"/>
         <a:buChar char="•"/>
         <a:defRPr sz="1800" kern="1200">
           <a:solidFill>
@@ -4223,7 +4269,7 @@
         <a:spcBef>
           <a:spcPts val="500"/>
         </a:spcBef>
-        <a:buFont typeface="Arial" panose="02080604020202020204" pitchFamily="34" charset="0"/>
+        <a:buFont typeface="Arial" panose="020B0604020202020204" pitchFamily="34" charset="0"/>
         <a:buChar char="•"/>
         <a:defRPr sz="1800" kern="1200">
           <a:solidFill>
@@ -4241,7 +4287,7 @@
         <a:spcBef>
           <a:spcPts val="500"/>
         </a:spcBef>
-        <a:buFont typeface="Arial" panose="02080604020202020204" pitchFamily="34" charset="0"/>
+        <a:buFont typeface="Arial" panose="020B0604020202020204" pitchFamily="34" charset="0"/>
         <a:buChar char="•"/>
         <a:defRPr sz="1800" kern="1200">
           <a:solidFill>
@@ -4259,7 +4305,7 @@
         <a:spcBef>
           <a:spcPts val="500"/>
         </a:spcBef>
-        <a:buFont typeface="Arial" panose="02080604020202020204" pitchFamily="34" charset="0"/>
+        <a:buFont typeface="Arial" panose="020B0604020202020204" pitchFamily="34" charset="0"/>
         <a:buChar char="•"/>
         <a:defRPr sz="1800" kern="1200">
           <a:solidFill>
@@ -4531,6 +4577,10 @@
               </a:rPr>
               <a:t>Introduction to Linux</a:t>
             </a:r>
+            <a:endParaRPr lang="en-GB" sz="2400" dirty="0" smtClean="0">
+              <a:latin typeface="Noto Sans CJK JP Light" panose="020B0300000000000000" pitchFamily="34" charset="-128"/>
+              <a:ea typeface="Noto Sans CJK JP Light" panose="020B0300000000000000" pitchFamily="34" charset="-128"/>
+            </a:endParaRPr>
           </a:p>
           <a:p>
             <a:pPr>
@@ -4545,6 +4595,10 @@
               </a:rPr>
               <a:t>Installing Linux In A Server Configuration</a:t>
             </a:r>
+            <a:endParaRPr lang="en-GB" sz="2400" dirty="0" smtClean="0">
+              <a:latin typeface="Noto Sans CJK JP Light" panose="020B0300000000000000" pitchFamily="34" charset="-128"/>
+              <a:ea typeface="Noto Sans CJK JP Light" panose="020B0300000000000000" pitchFamily="34" charset="-128"/>
+            </a:endParaRPr>
           </a:p>
           <a:p>
             <a:pPr>
@@ -4559,6 +4613,10 @@
               </a:rPr>
               <a:t>Server Design</a:t>
             </a:r>
+            <a:endParaRPr lang="en-IN" sz="2400" dirty="0" smtClean="0">
+              <a:latin typeface="Noto Sans CJK JP Light" panose="020B0300000000000000" pitchFamily="34" charset="-128"/>
+              <a:ea typeface="Noto Sans CJK JP Light" panose="020B0300000000000000" pitchFamily="34" charset="-128"/>
+            </a:endParaRPr>
           </a:p>
           <a:p>
             <a:pPr>
@@ -4573,6 +4631,10 @@
               </a:rPr>
               <a:t>Dual-booting Issues</a:t>
             </a:r>
+            <a:endParaRPr lang="en-IN" sz="2400" dirty="0" smtClean="0">
+              <a:latin typeface="Noto Sans CJK JP Light" panose="020B0300000000000000" pitchFamily="34" charset="-128"/>
+              <a:ea typeface="Noto Sans CJK JP Light" panose="020B0300000000000000" pitchFamily="34" charset="-128"/>
+            </a:endParaRPr>
           </a:p>
           <a:p>
             <a:pPr>
@@ -4587,6 +4649,10 @@
               </a:rPr>
               <a:t>Methods Of Installation</a:t>
             </a:r>
+            <a:endParaRPr lang="en-IN" sz="2400" dirty="0" smtClean="0">
+              <a:latin typeface="Noto Sans CJK JP Light" panose="020B0300000000000000" pitchFamily="34" charset="-128"/>
+              <a:ea typeface="Noto Sans CJK JP Light" panose="020B0300000000000000" pitchFamily="34" charset="-128"/>
+            </a:endParaRPr>
           </a:p>
           <a:p>
             <a:pPr>
@@ -4609,11 +4675,6 @@
         </p:txBody>
       </p:sp>
     </p:spTree>
-    <p:extLst>
-      <p:ext uri="{BB962C8B-B14F-4D97-AF65-F5344CB8AC3E}">
-        <p14:creationId xmlns:p14="http://schemas.microsoft.com/office/powerpoint/2010/main" val="950001578"/>
-      </p:ext>
-    </p:extLst>
   </p:cSld>
   <p:clrMapOvr>
     <a:masterClrMapping/>
@@ -4694,6 +4755,11 @@
           <a:bodyPr/>
           <a:lstStyle/>
           <a:p>
+            <a:pPr>
+              <a:lnSpc>
+                <a:spcPct val="130000"/>
+              </a:lnSpc>
+            </a:pPr>
             <a:r>
               <a:rPr lang="en-IN" sz="2000" dirty="0" smtClean="0">
                 <a:latin typeface="Noto Sans CJK JP Light" panose="020B0300000000000000" pitchFamily="34" charset="-128"/>
@@ -4718,15 +4784,25 @@
               </a:rPr>
               <a:t>software</a:t>
             </a:r>
-          </a:p>
-          <a:p>
+            <a:endParaRPr lang="en-IN" sz="2000" dirty="0" smtClean="0">
+              <a:latin typeface="Noto Sans CJK JP Light" panose="020B0300000000000000" pitchFamily="34" charset="-128"/>
+              <a:ea typeface="Noto Sans CJK JP Light" panose="020B0300000000000000" pitchFamily="34" charset="-128"/>
+              <a:cs typeface="Open Sans" panose="020B0606030504020204" pitchFamily="34" charset="0"/>
+            </a:endParaRPr>
+          </a:p>
+          <a:p>
+            <a:pPr>
+              <a:lnSpc>
+                <a:spcPct val="130000"/>
+              </a:lnSpc>
+            </a:pPr>
             <a:r>
               <a:rPr lang="en-GB" sz="2000" dirty="0">
                 <a:latin typeface="Noto Sans CJK JP Light" panose="020B0300000000000000" pitchFamily="34" charset="-128"/>
                 <a:ea typeface="Noto Sans CJK JP Light" panose="020B0300000000000000" pitchFamily="34" charset="-128"/>
                 <a:cs typeface="Open Sans" panose="020B0606030504020204" pitchFamily="34" charset="0"/>
               </a:rPr>
-              <a:t>core of the operating system: the kernel. The kernel is the program acting as chief of operations. It is responsible for starting and stopping other programs (such as editors), handling requests for memory, accessing disks, and managing network connections. </a:t>
+              <a:t>Core of the operating system: the kernel. The kernel is the program acting as chief of operations. It is responsible for starting and stopping other programs (such as editors), handling requests for memory, accessing disks, and managing network connections. </a:t>
             </a:r>
             <a:endParaRPr lang="en-GB" sz="2000" dirty="0" smtClean="0">
               <a:latin typeface="Noto Sans CJK JP Light" panose="020B0300000000000000" pitchFamily="34" charset="-128"/>
@@ -4735,6 +4811,11 @@
             </a:endParaRPr>
           </a:p>
           <a:p>
+            <a:pPr>
+              <a:lnSpc>
+                <a:spcPct val="130000"/>
+              </a:lnSpc>
+            </a:pPr>
             <a:r>
               <a:rPr lang="en-GB" sz="2000" dirty="0" smtClean="0">
                 <a:latin typeface="Noto Sans CJK JP Light" panose="020B0300000000000000" pitchFamily="34" charset="-128"/>
@@ -4760,11 +4841,6 @@
         </p:txBody>
       </p:sp>
     </p:spTree>
-    <p:extLst>
-      <p:ext uri="{BB962C8B-B14F-4D97-AF65-F5344CB8AC3E}">
-        <p14:creationId xmlns:p14="http://schemas.microsoft.com/office/powerpoint/2010/main" val="1292227574"/>
-      </p:ext>
-    </p:extLst>
   </p:cSld>
   <p:clrMapOvr>
     <a:masterClrMapping/>
@@ -4970,7 +5046,6 @@
       </a:bgFillStyleLst>
     </a:fmtScheme>
   </a:themeElements>
-  <a:objectDefaults/>
   <a:extraClrSchemeLst>
     <a:extraClrScheme>
       <a:clrScheme name="Default Design 1">
